--- a/20190626모델링-후레쉬.pptx
+++ b/20190626모델링-후레쉬.pptx
@@ -296,7 +296,7 @@
           <a:p>
             <a:fld id="{F23E37F9-E3AF-48B4-B9CE-039217E71BBA}" type="datetimeFigureOut">
               <a:rPr lang="ko-KR" altLang="en-US" smtClean="0"/>
-              <a:t>2019-06-25</a:t>
+              <a:t>2019-06-26</a:t>
             </a:fld>
             <a:endParaRPr lang="ko-KR" altLang="en-US"/>
           </a:p>
@@ -466,7 +466,7 @@
           <a:p>
             <a:fld id="{F23E37F9-E3AF-48B4-B9CE-039217E71BBA}" type="datetimeFigureOut">
               <a:rPr lang="ko-KR" altLang="en-US" smtClean="0"/>
-              <a:t>2019-06-25</a:t>
+              <a:t>2019-06-26</a:t>
             </a:fld>
             <a:endParaRPr lang="ko-KR" altLang="en-US"/>
           </a:p>
@@ -646,7 +646,7 @@
           <a:p>
             <a:fld id="{F23E37F9-E3AF-48B4-B9CE-039217E71BBA}" type="datetimeFigureOut">
               <a:rPr lang="ko-KR" altLang="en-US" smtClean="0"/>
-              <a:t>2019-06-25</a:t>
+              <a:t>2019-06-26</a:t>
             </a:fld>
             <a:endParaRPr lang="ko-KR" altLang="en-US"/>
           </a:p>
@@ -816,7 +816,7 @@
           <a:p>
             <a:fld id="{F23E37F9-E3AF-48B4-B9CE-039217E71BBA}" type="datetimeFigureOut">
               <a:rPr lang="ko-KR" altLang="en-US" smtClean="0"/>
-              <a:t>2019-06-25</a:t>
+              <a:t>2019-06-26</a:t>
             </a:fld>
             <a:endParaRPr lang="ko-KR" altLang="en-US"/>
           </a:p>
@@ -1062,7 +1062,7 @@
           <a:p>
             <a:fld id="{F23E37F9-E3AF-48B4-B9CE-039217E71BBA}" type="datetimeFigureOut">
               <a:rPr lang="ko-KR" altLang="en-US" smtClean="0"/>
-              <a:t>2019-06-25</a:t>
+              <a:t>2019-06-26</a:t>
             </a:fld>
             <a:endParaRPr lang="ko-KR" altLang="en-US"/>
           </a:p>
@@ -1350,7 +1350,7 @@
           <a:p>
             <a:fld id="{F23E37F9-E3AF-48B4-B9CE-039217E71BBA}" type="datetimeFigureOut">
               <a:rPr lang="ko-KR" altLang="en-US" smtClean="0"/>
-              <a:t>2019-06-25</a:t>
+              <a:t>2019-06-26</a:t>
             </a:fld>
             <a:endParaRPr lang="ko-KR" altLang="en-US"/>
           </a:p>
@@ -1772,7 +1772,7 @@
           <a:p>
             <a:fld id="{F23E37F9-E3AF-48B4-B9CE-039217E71BBA}" type="datetimeFigureOut">
               <a:rPr lang="ko-KR" altLang="en-US" smtClean="0"/>
-              <a:t>2019-06-25</a:t>
+              <a:t>2019-06-26</a:t>
             </a:fld>
             <a:endParaRPr lang="ko-KR" altLang="en-US"/>
           </a:p>
@@ -1890,7 +1890,7 @@
           <a:p>
             <a:fld id="{F23E37F9-E3AF-48B4-B9CE-039217E71BBA}" type="datetimeFigureOut">
               <a:rPr lang="ko-KR" altLang="en-US" smtClean="0"/>
-              <a:t>2019-06-25</a:t>
+              <a:t>2019-06-26</a:t>
             </a:fld>
             <a:endParaRPr lang="ko-KR" altLang="en-US"/>
           </a:p>
@@ -1985,7 +1985,7 @@
           <a:p>
             <a:fld id="{F23E37F9-E3AF-48B4-B9CE-039217E71BBA}" type="datetimeFigureOut">
               <a:rPr lang="ko-KR" altLang="en-US" smtClean="0"/>
-              <a:t>2019-06-25</a:t>
+              <a:t>2019-06-26</a:t>
             </a:fld>
             <a:endParaRPr lang="ko-KR" altLang="en-US"/>
           </a:p>
@@ -2262,7 +2262,7 @@
           <a:p>
             <a:fld id="{F23E37F9-E3AF-48B4-B9CE-039217E71BBA}" type="datetimeFigureOut">
               <a:rPr lang="ko-KR" altLang="en-US" smtClean="0"/>
-              <a:t>2019-06-25</a:t>
+              <a:t>2019-06-26</a:t>
             </a:fld>
             <a:endParaRPr lang="ko-KR" altLang="en-US"/>
           </a:p>
@@ -2515,7 +2515,7 @@
           <a:p>
             <a:fld id="{F23E37F9-E3AF-48B4-B9CE-039217E71BBA}" type="datetimeFigureOut">
               <a:rPr lang="ko-KR" altLang="en-US" smtClean="0"/>
-              <a:t>2019-06-25</a:t>
+              <a:t>2019-06-26</a:t>
             </a:fld>
             <a:endParaRPr lang="ko-KR" altLang="en-US"/>
           </a:p>
@@ -2728,7 +2728,7 @@
           <a:p>
             <a:fld id="{F23E37F9-E3AF-48B4-B9CE-039217E71BBA}" type="datetimeFigureOut">
               <a:rPr lang="ko-KR" altLang="en-US" smtClean="0"/>
-              <a:t>2019-06-25</a:t>
+              <a:t>2019-06-26</a:t>
             </a:fld>
             <a:endParaRPr lang="ko-KR" altLang="en-US"/>
           </a:p>
@@ -5891,14 +5891,14 @@
           <p:nvPr>
             <p:extLst>
               <p:ext uri="{D42A27DB-BD31-4B8C-83A1-F6EECF244321}">
-                <p14:modId xmlns:p14="http://schemas.microsoft.com/office/powerpoint/2010/main" val="1481871726"/>
+                <p14:modId xmlns:p14="http://schemas.microsoft.com/office/powerpoint/2010/main" val="2299193261"/>
               </p:ext>
             </p:extLst>
           </p:nvPr>
         </p:nvGraphicFramePr>
         <p:xfrm>
           <a:off x="683568" y="692696"/>
-          <a:ext cx="8064898" cy="5333249"/>
+          <a:ext cx="8064898" cy="5500889"/>
         </p:xfrm>
         <a:graphic>
           <a:graphicData uri="http://schemas.openxmlformats.org/drawingml/2006/table">
@@ -7178,7 +7178,19 @@
                       <a:pPr latinLnBrk="1"/>
                       <a:r>
                         <a:rPr lang="en-US" altLang="ko-KR" sz="1100" dirty="0" smtClean="0"/>
-                        <a:t>/point/{id}</a:t>
+                        <a:t>/</a:t>
+                      </a:r>
+                      <a:r>
+                        <a:rPr lang="en-US" altLang="ko-KR" sz="1100" dirty="0" smtClean="0"/>
+                        <a:t>point/user/{</a:t>
+                      </a:r>
+                      <a:r>
+                        <a:rPr lang="en-US" altLang="ko-KR" sz="1100" dirty="0" err="1" smtClean="0"/>
+                        <a:t>customerId</a:t>
+                      </a:r>
+                      <a:r>
+                        <a:rPr lang="en-US" altLang="ko-KR" sz="1100" dirty="0" smtClean="0"/>
+                        <a:t>}</a:t>
                       </a:r>
                       <a:endParaRPr lang="ko-KR" altLang="en-US" sz="1100" dirty="0"/>
                     </a:p>
@@ -7224,7 +7236,11 @@
                       </a:pPr>
                       <a:r>
                         <a:rPr lang="ko-KR" altLang="en-US" sz="1100" dirty="0" smtClean="0"/>
-                        <a:t>포인트 조회</a:t>
+                        <a:t>포인트 </a:t>
+                      </a:r>
+                      <a:r>
+                        <a:rPr lang="ko-KR" altLang="en-US" sz="1100" dirty="0" smtClean="0"/>
+                        <a:t>조회</a:t>
                       </a:r>
                       <a:endParaRPr lang="ko-KR" altLang="en-US" sz="1100" dirty="0"/>
                     </a:p>
@@ -7238,8 +7254,8 @@
                     <a:p>
                       <a:pPr latinLnBrk="1"/>
                       <a:r>
-                        <a:rPr lang="en-US" altLang="ko-KR" sz="1100" dirty="0" smtClean="0"/>
-                        <a:t>id</a:t>
+                        <a:rPr lang="en-US" altLang="ko-KR" sz="1100" dirty="0" err="1" smtClean="0"/>
+                        <a:t>customerId</a:t>
                       </a:r>
                       <a:endParaRPr lang="ko-KR" altLang="en-US" sz="1100" dirty="0"/>
                     </a:p>
@@ -7253,8 +7269,8 @@
                     <a:p>
                       <a:pPr latinLnBrk="1"/>
                       <a:r>
-                        <a:rPr lang="en-US" altLang="ko-KR" sz="1100" dirty="0" smtClean="0"/>
-                        <a:t>amount</a:t>
+                        <a:rPr lang="en-US" altLang="ko-KR" sz="1100" smtClean="0"/>
+                        <a:t>Point</a:t>
                       </a:r>
                       <a:endParaRPr lang="ko-KR" altLang="en-US" sz="1100" dirty="0"/>
                     </a:p>
@@ -7683,11 +7699,7 @@
             </a:pPr>
             <a:r>
               <a:rPr lang="ko-KR" altLang="en-US" dirty="0" smtClean="0"/>
-              <a:t>개발 </a:t>
-            </a:r>
-            <a:r>
-              <a:rPr lang="ko-KR" altLang="en-US" dirty="0" smtClean="0"/>
-              <a:t>방법론 설계 </a:t>
+              <a:t>개발 방법론 설계 </a:t>
             </a:r>
             <a:r>
               <a:rPr lang="en-US" altLang="ko-KR" dirty="0" smtClean="0"/>
@@ -7753,15 +7765,7 @@
             </a:r>
             <a:r>
               <a:rPr lang="en-US" altLang="ko-KR" dirty="0" smtClean="0"/>
-              <a:t> 3) </a:t>
-            </a:r>
-            <a:r>
-              <a:rPr lang="en-US" altLang="ko-KR" dirty="0" smtClean="0"/>
-              <a:t>Build tool: </a:t>
-            </a:r>
-            <a:r>
-              <a:rPr lang="en-US" altLang="ko-KR" dirty="0" smtClean="0"/>
-              <a:t>maven</a:t>
+              <a:t> 3) Build tool: maven</a:t>
             </a:r>
           </a:p>
           <a:p>
@@ -7771,11 +7775,7 @@
             </a:r>
             <a:r>
               <a:rPr lang="en-US" altLang="ko-KR" dirty="0" smtClean="0"/>
-              <a:t> 4) </a:t>
-            </a:r>
-            <a:r>
-              <a:rPr lang="en-US" altLang="ko-KR" dirty="0" smtClean="0"/>
-              <a:t>Test </a:t>
+              <a:t> 4) Test </a:t>
             </a:r>
             <a:r>
               <a:rPr lang="ko-KR" altLang="en-US" dirty="0" smtClean="0"/>
@@ -7787,11 +7787,7 @@
             </a:r>
             <a:r>
               <a:rPr lang="ko-KR" altLang="en-US" dirty="0" smtClean="0"/>
-              <a:t>결정</a:t>
-            </a:r>
-            <a:r>
-              <a:rPr lang="ko-KR" altLang="en-US" dirty="0" smtClean="0"/>
-              <a:t> </a:t>
+              <a:t>결정 </a:t>
             </a:r>
             <a:r>
               <a:rPr lang="en-US" altLang="ko-KR" dirty="0" smtClean="0"/>
@@ -7820,11 +7816,7 @@
             </a:r>
             <a:r>
               <a:rPr lang="ko-KR" altLang="en-US" dirty="0" smtClean="0"/>
-              <a:t>파이프라인 </a:t>
-            </a:r>
-            <a:r>
-              <a:rPr lang="ko-KR" altLang="en-US" dirty="0" smtClean="0"/>
-              <a:t>구성</a:t>
+              <a:t>파이프라인 구성</a:t>
             </a:r>
             <a:r>
               <a:rPr lang="en-US" altLang="ko-KR" dirty="0" smtClean="0"/>
@@ -7846,7 +7838,6 @@
               <a:rPr lang="en-US" altLang="ko-KR" dirty="0" smtClean="0"/>
               <a:t>)</a:t>
             </a:r>
-            <a:endParaRPr lang="en-US" altLang="ko-KR" dirty="0" smtClean="0"/>
           </a:p>
           <a:p>
             <a:r>
